--- a/ppt 16-9/1007.祂不失信.pptx
+++ b/ppt 16-9/1007.祂不失信.pptx
@@ -5,7 +5,7 @@
     <p:sldMasterId id="2147483648" r:id="rId1"/>
   </p:sldMasterIdLst>
   <p:sldIdLst>
-    <p:sldId id="423" r:id="rId2"/>
+    <p:sldId id="424" r:id="rId2"/>
   </p:sldIdLst>
   <p:sldSz cx="12192000" cy="6858000"/>
   <p:notesSz cx="6858000" cy="9144000"/>
@@ -129,7 +129,7 @@
           <p:cNvPr id="2" name="标题 1">
             <a:extLst>
               <a:ext uri="{FF2B5EF4-FFF2-40B4-BE49-F238E27FC236}">
-                <a16:creationId xmlns:a16="http://schemas.microsoft.com/office/drawing/2014/main" id="{9115D354-6CD9-5C0F-07B2-8A621C0E4FB1}"/>
+                <a16:creationId xmlns:a16="http://schemas.microsoft.com/office/drawing/2014/main" id="{15E6567C-56A7-314C-B641-35326612002B}"/>
               </a:ext>
             </a:extLst>
           </p:cNvPr>
@@ -166,7 +166,7 @@
           <p:cNvPr id="3" name="副标题 2">
             <a:extLst>
               <a:ext uri="{FF2B5EF4-FFF2-40B4-BE49-F238E27FC236}">
-                <a16:creationId xmlns:a16="http://schemas.microsoft.com/office/drawing/2014/main" id="{E087A806-55C4-FD63-FBB6-180F6F01F0A7}"/>
+                <a16:creationId xmlns:a16="http://schemas.microsoft.com/office/drawing/2014/main" id="{8FBE2CE6-1853-18D7-82B5-BEC151535F0E}"/>
               </a:ext>
             </a:extLst>
           </p:cNvPr>
@@ -236,7 +236,7 @@
           <p:cNvPr id="4" name="日期占位符 3">
             <a:extLst>
               <a:ext uri="{FF2B5EF4-FFF2-40B4-BE49-F238E27FC236}">
-                <a16:creationId xmlns:a16="http://schemas.microsoft.com/office/drawing/2014/main" id="{0AC54E39-4650-C825-D0E7-7100E73741F0}"/>
+                <a16:creationId xmlns:a16="http://schemas.microsoft.com/office/drawing/2014/main" id="{036D6D91-B80C-E5A0-1642-8356DEAE3161}"/>
               </a:ext>
             </a:extLst>
           </p:cNvPr>
@@ -252,7 +252,7 @@
           <a:bodyPr/>
           <a:lstStyle/>
           <a:p>
-            <a:fld id="{AB7F6FF5-4E6D-4A5B-B490-3A5EA41F22F6}" type="datetimeFigureOut">
+            <a:fld id="{A7E190A8-7A3C-4071-997B-ED7A559CB443}" type="datetimeFigureOut">
               <a:rPr lang="zh-CN" altLang="en-US" smtClean="0"/>
               <a:t>2024/3/10</a:t>
             </a:fld>
@@ -265,7 +265,7 @@
           <p:cNvPr id="5" name="页脚占位符 4">
             <a:extLst>
               <a:ext uri="{FF2B5EF4-FFF2-40B4-BE49-F238E27FC236}">
-                <a16:creationId xmlns:a16="http://schemas.microsoft.com/office/drawing/2014/main" id="{B3B74160-6D6D-B9B5-2CB6-4140B9A6AD22}"/>
+                <a16:creationId xmlns:a16="http://schemas.microsoft.com/office/drawing/2014/main" id="{92E551A8-58E8-AF4E-2942-0437AFEEB5A3}"/>
               </a:ext>
             </a:extLst>
           </p:cNvPr>
@@ -290,7 +290,7 @@
           <p:cNvPr id="6" name="灯片编号占位符 5">
             <a:extLst>
               <a:ext uri="{FF2B5EF4-FFF2-40B4-BE49-F238E27FC236}">
-                <a16:creationId xmlns:a16="http://schemas.microsoft.com/office/drawing/2014/main" id="{BA7BFD9E-DE68-FA7E-A667-FF1C1F904E30}"/>
+                <a16:creationId xmlns:a16="http://schemas.microsoft.com/office/drawing/2014/main" id="{B56B6492-8B6E-053D-1A78-BFEDA1CA19BC}"/>
               </a:ext>
             </a:extLst>
           </p:cNvPr>
@@ -306,7 +306,7 @@
           <a:bodyPr/>
           <a:lstStyle/>
           <a:p>
-            <a:fld id="{D7912DAB-D457-4DEA-9D62-791F562C9E89}" type="slidenum">
+            <a:fld id="{EF96BF46-2E2F-45EA-B12D-5D35BDFCF8EB}" type="slidenum">
               <a:rPr lang="zh-CN" altLang="en-US" smtClean="0"/>
               <a:t>‹#›</a:t>
             </a:fld>
@@ -317,7 +317,7 @@
     </p:spTree>
     <p:extLst>
       <p:ext uri="{BB962C8B-B14F-4D97-AF65-F5344CB8AC3E}">
-        <p14:creationId xmlns:p14="http://schemas.microsoft.com/office/powerpoint/2010/main" val="1144623515"/>
+        <p14:creationId xmlns:p14="http://schemas.microsoft.com/office/powerpoint/2010/main" val="3909089239"/>
       </p:ext>
     </p:extLst>
   </p:cSld>
@@ -349,7 +349,7 @@
           <p:cNvPr id="2" name="标题 1">
             <a:extLst>
               <a:ext uri="{FF2B5EF4-FFF2-40B4-BE49-F238E27FC236}">
-                <a16:creationId xmlns:a16="http://schemas.microsoft.com/office/drawing/2014/main" id="{18C7E57F-85C4-74EB-0886-9DABCAC9E9F0}"/>
+                <a16:creationId xmlns:a16="http://schemas.microsoft.com/office/drawing/2014/main" id="{96119874-2BC8-2EC6-F8B6-B7BB59D314EA}"/>
               </a:ext>
             </a:extLst>
           </p:cNvPr>
@@ -377,7 +377,7 @@
           <p:cNvPr id="3" name="竖排文字占位符 2">
             <a:extLst>
               <a:ext uri="{FF2B5EF4-FFF2-40B4-BE49-F238E27FC236}">
-                <a16:creationId xmlns:a16="http://schemas.microsoft.com/office/drawing/2014/main" id="{C8577E4A-3A8C-C71F-AD26-026E92553AC2}"/>
+                <a16:creationId xmlns:a16="http://schemas.microsoft.com/office/drawing/2014/main" id="{1679D28A-80A0-FF0C-2CD1-E78B19ED2D77}"/>
               </a:ext>
             </a:extLst>
           </p:cNvPr>
@@ -434,7 +434,7 @@
           <p:cNvPr id="4" name="日期占位符 3">
             <a:extLst>
               <a:ext uri="{FF2B5EF4-FFF2-40B4-BE49-F238E27FC236}">
-                <a16:creationId xmlns:a16="http://schemas.microsoft.com/office/drawing/2014/main" id="{45458C53-90EA-3B42-DA42-E90B272B6301}"/>
+                <a16:creationId xmlns:a16="http://schemas.microsoft.com/office/drawing/2014/main" id="{18F1D510-62A2-B215-A57E-E7E417C7E24F}"/>
               </a:ext>
             </a:extLst>
           </p:cNvPr>
@@ -450,7 +450,7 @@
           <a:bodyPr/>
           <a:lstStyle/>
           <a:p>
-            <a:fld id="{AB7F6FF5-4E6D-4A5B-B490-3A5EA41F22F6}" type="datetimeFigureOut">
+            <a:fld id="{A7E190A8-7A3C-4071-997B-ED7A559CB443}" type="datetimeFigureOut">
               <a:rPr lang="zh-CN" altLang="en-US" smtClean="0"/>
               <a:t>2024/3/10</a:t>
             </a:fld>
@@ -463,7 +463,7 @@
           <p:cNvPr id="5" name="页脚占位符 4">
             <a:extLst>
               <a:ext uri="{FF2B5EF4-FFF2-40B4-BE49-F238E27FC236}">
-                <a16:creationId xmlns:a16="http://schemas.microsoft.com/office/drawing/2014/main" id="{7A2890B8-499A-642A-55EA-BABB2EE4159E}"/>
+                <a16:creationId xmlns:a16="http://schemas.microsoft.com/office/drawing/2014/main" id="{9E2D1FAE-C3E8-6014-5DF4-803A33BBAB84}"/>
               </a:ext>
             </a:extLst>
           </p:cNvPr>
@@ -488,7 +488,7 @@
           <p:cNvPr id="6" name="灯片编号占位符 5">
             <a:extLst>
               <a:ext uri="{FF2B5EF4-FFF2-40B4-BE49-F238E27FC236}">
-                <a16:creationId xmlns:a16="http://schemas.microsoft.com/office/drawing/2014/main" id="{F4EB517F-287D-AE6F-182D-06E22A9BC63C}"/>
+                <a16:creationId xmlns:a16="http://schemas.microsoft.com/office/drawing/2014/main" id="{2788C7FE-8237-6559-E26C-C8F84358786D}"/>
               </a:ext>
             </a:extLst>
           </p:cNvPr>
@@ -504,7 +504,7 @@
           <a:bodyPr/>
           <a:lstStyle/>
           <a:p>
-            <a:fld id="{D7912DAB-D457-4DEA-9D62-791F562C9E89}" type="slidenum">
+            <a:fld id="{EF96BF46-2E2F-45EA-B12D-5D35BDFCF8EB}" type="slidenum">
               <a:rPr lang="zh-CN" altLang="en-US" smtClean="0"/>
               <a:t>‹#›</a:t>
             </a:fld>
@@ -515,7 +515,7 @@
     </p:spTree>
     <p:extLst>
       <p:ext uri="{BB962C8B-B14F-4D97-AF65-F5344CB8AC3E}">
-        <p14:creationId xmlns:p14="http://schemas.microsoft.com/office/powerpoint/2010/main" val="311004200"/>
+        <p14:creationId xmlns:p14="http://schemas.microsoft.com/office/powerpoint/2010/main" val="2165055609"/>
       </p:ext>
     </p:extLst>
   </p:cSld>
@@ -547,7 +547,7 @@
           <p:cNvPr id="2" name="竖排标题 1">
             <a:extLst>
               <a:ext uri="{FF2B5EF4-FFF2-40B4-BE49-F238E27FC236}">
-                <a16:creationId xmlns:a16="http://schemas.microsoft.com/office/drawing/2014/main" id="{F59D6B24-E2F1-C469-6059-055E2F64EDB9}"/>
+                <a16:creationId xmlns:a16="http://schemas.microsoft.com/office/drawing/2014/main" id="{ABE53B81-C905-DEC9-FDED-C84F69743936}"/>
               </a:ext>
             </a:extLst>
           </p:cNvPr>
@@ -580,7 +580,7 @@
           <p:cNvPr id="3" name="竖排文字占位符 2">
             <a:extLst>
               <a:ext uri="{FF2B5EF4-FFF2-40B4-BE49-F238E27FC236}">
-                <a16:creationId xmlns:a16="http://schemas.microsoft.com/office/drawing/2014/main" id="{3E12C98A-AFE1-0F18-DC96-DEBE00B2D4C6}"/>
+                <a16:creationId xmlns:a16="http://schemas.microsoft.com/office/drawing/2014/main" id="{1769DDB4-A9DA-B6AC-99C7-D4CCCDF54CF2}"/>
               </a:ext>
             </a:extLst>
           </p:cNvPr>
@@ -642,7 +642,7 @@
           <p:cNvPr id="4" name="日期占位符 3">
             <a:extLst>
               <a:ext uri="{FF2B5EF4-FFF2-40B4-BE49-F238E27FC236}">
-                <a16:creationId xmlns:a16="http://schemas.microsoft.com/office/drawing/2014/main" id="{A3E56BB7-57F0-EE09-1D46-B44B225FBA3E}"/>
+                <a16:creationId xmlns:a16="http://schemas.microsoft.com/office/drawing/2014/main" id="{CEBA7067-F9ED-7305-EBCD-7748D2135851}"/>
               </a:ext>
             </a:extLst>
           </p:cNvPr>
@@ -658,7 +658,7 @@
           <a:bodyPr/>
           <a:lstStyle/>
           <a:p>
-            <a:fld id="{AB7F6FF5-4E6D-4A5B-B490-3A5EA41F22F6}" type="datetimeFigureOut">
+            <a:fld id="{A7E190A8-7A3C-4071-997B-ED7A559CB443}" type="datetimeFigureOut">
               <a:rPr lang="zh-CN" altLang="en-US" smtClean="0"/>
               <a:t>2024/3/10</a:t>
             </a:fld>
@@ -671,7 +671,7 @@
           <p:cNvPr id="5" name="页脚占位符 4">
             <a:extLst>
               <a:ext uri="{FF2B5EF4-FFF2-40B4-BE49-F238E27FC236}">
-                <a16:creationId xmlns:a16="http://schemas.microsoft.com/office/drawing/2014/main" id="{2ABBDF1A-A6C4-E180-5219-E389B4812172}"/>
+                <a16:creationId xmlns:a16="http://schemas.microsoft.com/office/drawing/2014/main" id="{66731C86-EC88-6ECF-94AD-DF9EB24B05CB}"/>
               </a:ext>
             </a:extLst>
           </p:cNvPr>
@@ -696,7 +696,7 @@
           <p:cNvPr id="6" name="灯片编号占位符 5">
             <a:extLst>
               <a:ext uri="{FF2B5EF4-FFF2-40B4-BE49-F238E27FC236}">
-                <a16:creationId xmlns:a16="http://schemas.microsoft.com/office/drawing/2014/main" id="{B647DEE2-4EE8-F3AA-DE0A-8A2A633AF298}"/>
+                <a16:creationId xmlns:a16="http://schemas.microsoft.com/office/drawing/2014/main" id="{8F235C19-492E-5426-A689-AF0D588D81C1}"/>
               </a:ext>
             </a:extLst>
           </p:cNvPr>
@@ -712,7 +712,7 @@
           <a:bodyPr/>
           <a:lstStyle/>
           <a:p>
-            <a:fld id="{D7912DAB-D457-4DEA-9D62-791F562C9E89}" type="slidenum">
+            <a:fld id="{EF96BF46-2E2F-45EA-B12D-5D35BDFCF8EB}" type="slidenum">
               <a:rPr lang="zh-CN" altLang="en-US" smtClean="0"/>
               <a:t>‹#›</a:t>
             </a:fld>
@@ -723,7 +723,7 @@
     </p:spTree>
     <p:extLst>
       <p:ext uri="{BB962C8B-B14F-4D97-AF65-F5344CB8AC3E}">
-        <p14:creationId xmlns:p14="http://schemas.microsoft.com/office/powerpoint/2010/main" val="629303501"/>
+        <p14:creationId xmlns:p14="http://schemas.microsoft.com/office/powerpoint/2010/main" val="3344851807"/>
       </p:ext>
     </p:extLst>
   </p:cSld>
@@ -755,7 +755,7 @@
           <p:cNvPr id="2" name="标题 1">
             <a:extLst>
               <a:ext uri="{FF2B5EF4-FFF2-40B4-BE49-F238E27FC236}">
-                <a16:creationId xmlns:a16="http://schemas.microsoft.com/office/drawing/2014/main" id="{C8BD10D1-E04D-359F-7BAB-A358045063E3}"/>
+                <a16:creationId xmlns:a16="http://schemas.microsoft.com/office/drawing/2014/main" id="{991D8950-B153-2564-3B20-57BF98D6B385}"/>
               </a:ext>
             </a:extLst>
           </p:cNvPr>
@@ -783,7 +783,7 @@
           <p:cNvPr id="3" name="内容占位符 2">
             <a:extLst>
               <a:ext uri="{FF2B5EF4-FFF2-40B4-BE49-F238E27FC236}">
-                <a16:creationId xmlns:a16="http://schemas.microsoft.com/office/drawing/2014/main" id="{1E57304A-4E35-F797-04CC-E87EDAFEF451}"/>
+                <a16:creationId xmlns:a16="http://schemas.microsoft.com/office/drawing/2014/main" id="{B9FECD09-1B31-633F-B2A9-C4302C5FC9EE}"/>
               </a:ext>
             </a:extLst>
           </p:cNvPr>
@@ -840,7 +840,7 @@
           <p:cNvPr id="4" name="日期占位符 3">
             <a:extLst>
               <a:ext uri="{FF2B5EF4-FFF2-40B4-BE49-F238E27FC236}">
-                <a16:creationId xmlns:a16="http://schemas.microsoft.com/office/drawing/2014/main" id="{C3F2F47A-C6E7-D034-F767-7ECAFE2A70CB}"/>
+                <a16:creationId xmlns:a16="http://schemas.microsoft.com/office/drawing/2014/main" id="{37BA5024-E695-1F59-C930-CDFEB86BC63E}"/>
               </a:ext>
             </a:extLst>
           </p:cNvPr>
@@ -856,7 +856,7 @@
           <a:bodyPr/>
           <a:lstStyle/>
           <a:p>
-            <a:fld id="{AB7F6FF5-4E6D-4A5B-B490-3A5EA41F22F6}" type="datetimeFigureOut">
+            <a:fld id="{A7E190A8-7A3C-4071-997B-ED7A559CB443}" type="datetimeFigureOut">
               <a:rPr lang="zh-CN" altLang="en-US" smtClean="0"/>
               <a:t>2024/3/10</a:t>
             </a:fld>
@@ -869,7 +869,7 @@
           <p:cNvPr id="5" name="页脚占位符 4">
             <a:extLst>
               <a:ext uri="{FF2B5EF4-FFF2-40B4-BE49-F238E27FC236}">
-                <a16:creationId xmlns:a16="http://schemas.microsoft.com/office/drawing/2014/main" id="{F6EE0BFC-9E69-B8BE-B261-A22B36931246}"/>
+                <a16:creationId xmlns:a16="http://schemas.microsoft.com/office/drawing/2014/main" id="{BB8B12D7-86CB-5A34-BEAF-5AEFBDC9A819}"/>
               </a:ext>
             </a:extLst>
           </p:cNvPr>
@@ -894,7 +894,7 @@
           <p:cNvPr id="6" name="灯片编号占位符 5">
             <a:extLst>
               <a:ext uri="{FF2B5EF4-FFF2-40B4-BE49-F238E27FC236}">
-                <a16:creationId xmlns:a16="http://schemas.microsoft.com/office/drawing/2014/main" id="{D9573414-75CF-67BE-937D-63169CEBB2F0}"/>
+                <a16:creationId xmlns:a16="http://schemas.microsoft.com/office/drawing/2014/main" id="{88F199AF-04A3-F8B6-39F3-90A4AC8986A3}"/>
               </a:ext>
             </a:extLst>
           </p:cNvPr>
@@ -910,7 +910,7 @@
           <a:bodyPr/>
           <a:lstStyle/>
           <a:p>
-            <a:fld id="{D7912DAB-D457-4DEA-9D62-791F562C9E89}" type="slidenum">
+            <a:fld id="{EF96BF46-2E2F-45EA-B12D-5D35BDFCF8EB}" type="slidenum">
               <a:rPr lang="zh-CN" altLang="en-US" smtClean="0"/>
               <a:t>‹#›</a:t>
             </a:fld>
@@ -921,7 +921,7 @@
     </p:spTree>
     <p:extLst>
       <p:ext uri="{BB962C8B-B14F-4D97-AF65-F5344CB8AC3E}">
-        <p14:creationId xmlns:p14="http://schemas.microsoft.com/office/powerpoint/2010/main" val="2140379485"/>
+        <p14:creationId xmlns:p14="http://schemas.microsoft.com/office/powerpoint/2010/main" val="3819709280"/>
       </p:ext>
     </p:extLst>
   </p:cSld>
@@ -953,7 +953,7 @@
           <p:cNvPr id="2" name="标题 1">
             <a:extLst>
               <a:ext uri="{FF2B5EF4-FFF2-40B4-BE49-F238E27FC236}">
-                <a16:creationId xmlns:a16="http://schemas.microsoft.com/office/drawing/2014/main" id="{C98A17D4-B589-B759-2ED1-6E73A7B2A2A9}"/>
+                <a16:creationId xmlns:a16="http://schemas.microsoft.com/office/drawing/2014/main" id="{4C31E60E-BC75-6058-1BBA-0AFC7069B310}"/>
               </a:ext>
             </a:extLst>
           </p:cNvPr>
@@ -990,7 +990,7 @@
           <p:cNvPr id="3" name="文本占位符 2">
             <a:extLst>
               <a:ext uri="{FF2B5EF4-FFF2-40B4-BE49-F238E27FC236}">
-                <a16:creationId xmlns:a16="http://schemas.microsoft.com/office/drawing/2014/main" id="{BF336A2D-E347-9BEA-E38D-42BD62F31367}"/>
+                <a16:creationId xmlns:a16="http://schemas.microsoft.com/office/drawing/2014/main" id="{CF016693-C03A-96C7-6497-3A3F0142137A}"/>
               </a:ext>
             </a:extLst>
           </p:cNvPr>
@@ -1115,7 +1115,7 @@
           <p:cNvPr id="4" name="日期占位符 3">
             <a:extLst>
               <a:ext uri="{FF2B5EF4-FFF2-40B4-BE49-F238E27FC236}">
-                <a16:creationId xmlns:a16="http://schemas.microsoft.com/office/drawing/2014/main" id="{E3F20B7E-4B9C-13A2-954D-ACB013F410E6}"/>
+                <a16:creationId xmlns:a16="http://schemas.microsoft.com/office/drawing/2014/main" id="{84A8A4E1-FE1A-3E54-9F69-EA014354BFD1}"/>
               </a:ext>
             </a:extLst>
           </p:cNvPr>
@@ -1131,7 +1131,7 @@
           <a:bodyPr/>
           <a:lstStyle/>
           <a:p>
-            <a:fld id="{AB7F6FF5-4E6D-4A5B-B490-3A5EA41F22F6}" type="datetimeFigureOut">
+            <a:fld id="{A7E190A8-7A3C-4071-997B-ED7A559CB443}" type="datetimeFigureOut">
               <a:rPr lang="zh-CN" altLang="en-US" smtClean="0"/>
               <a:t>2024/3/10</a:t>
             </a:fld>
@@ -1144,7 +1144,7 @@
           <p:cNvPr id="5" name="页脚占位符 4">
             <a:extLst>
               <a:ext uri="{FF2B5EF4-FFF2-40B4-BE49-F238E27FC236}">
-                <a16:creationId xmlns:a16="http://schemas.microsoft.com/office/drawing/2014/main" id="{2547B600-E182-1906-C17E-A0E568C67414}"/>
+                <a16:creationId xmlns:a16="http://schemas.microsoft.com/office/drawing/2014/main" id="{16AAA06B-D9CD-38FD-D25C-E77DFC649B8A}"/>
               </a:ext>
             </a:extLst>
           </p:cNvPr>
@@ -1169,7 +1169,7 @@
           <p:cNvPr id="6" name="灯片编号占位符 5">
             <a:extLst>
               <a:ext uri="{FF2B5EF4-FFF2-40B4-BE49-F238E27FC236}">
-                <a16:creationId xmlns:a16="http://schemas.microsoft.com/office/drawing/2014/main" id="{45CC9AF8-44C2-B21E-8166-37A33EE50E9D}"/>
+                <a16:creationId xmlns:a16="http://schemas.microsoft.com/office/drawing/2014/main" id="{80C38485-322D-AA76-FD80-3659EAB56A20}"/>
               </a:ext>
             </a:extLst>
           </p:cNvPr>
@@ -1185,7 +1185,7 @@
           <a:bodyPr/>
           <a:lstStyle/>
           <a:p>
-            <a:fld id="{D7912DAB-D457-4DEA-9D62-791F562C9E89}" type="slidenum">
+            <a:fld id="{EF96BF46-2E2F-45EA-B12D-5D35BDFCF8EB}" type="slidenum">
               <a:rPr lang="zh-CN" altLang="en-US" smtClean="0"/>
               <a:t>‹#›</a:t>
             </a:fld>
@@ -1196,7 +1196,7 @@
     </p:spTree>
     <p:extLst>
       <p:ext uri="{BB962C8B-B14F-4D97-AF65-F5344CB8AC3E}">
-        <p14:creationId xmlns:p14="http://schemas.microsoft.com/office/powerpoint/2010/main" val="568037681"/>
+        <p14:creationId xmlns:p14="http://schemas.microsoft.com/office/powerpoint/2010/main" val="3135938080"/>
       </p:ext>
     </p:extLst>
   </p:cSld>
@@ -1228,7 +1228,7 @@
           <p:cNvPr id="2" name="标题 1">
             <a:extLst>
               <a:ext uri="{FF2B5EF4-FFF2-40B4-BE49-F238E27FC236}">
-                <a16:creationId xmlns:a16="http://schemas.microsoft.com/office/drawing/2014/main" id="{D000EE8B-8819-2B33-3F92-B6688E1F29FB}"/>
+                <a16:creationId xmlns:a16="http://schemas.microsoft.com/office/drawing/2014/main" id="{097088BA-3E59-8FBC-6C93-F33C7629263E}"/>
               </a:ext>
             </a:extLst>
           </p:cNvPr>
@@ -1256,7 +1256,7 @@
           <p:cNvPr id="3" name="内容占位符 2">
             <a:extLst>
               <a:ext uri="{FF2B5EF4-FFF2-40B4-BE49-F238E27FC236}">
-                <a16:creationId xmlns:a16="http://schemas.microsoft.com/office/drawing/2014/main" id="{2D278B05-9F24-0F71-5D1F-8014DFCAB7B0}"/>
+                <a16:creationId xmlns:a16="http://schemas.microsoft.com/office/drawing/2014/main" id="{9372895B-6A1C-D267-6068-47D8F2B9C0C7}"/>
               </a:ext>
             </a:extLst>
           </p:cNvPr>
@@ -1318,7 +1318,7 @@
           <p:cNvPr id="4" name="内容占位符 3">
             <a:extLst>
               <a:ext uri="{FF2B5EF4-FFF2-40B4-BE49-F238E27FC236}">
-                <a16:creationId xmlns:a16="http://schemas.microsoft.com/office/drawing/2014/main" id="{97247279-8746-2BE9-7AF2-FD3447362781}"/>
+                <a16:creationId xmlns:a16="http://schemas.microsoft.com/office/drawing/2014/main" id="{8F6B51C1-8E78-EAA2-FA5A-BA6175D199F3}"/>
               </a:ext>
             </a:extLst>
           </p:cNvPr>
@@ -1380,7 +1380,7 @@
           <p:cNvPr id="5" name="日期占位符 4">
             <a:extLst>
               <a:ext uri="{FF2B5EF4-FFF2-40B4-BE49-F238E27FC236}">
-                <a16:creationId xmlns:a16="http://schemas.microsoft.com/office/drawing/2014/main" id="{D85B0D87-3D1E-B1C0-51D0-2BEE6F63B538}"/>
+                <a16:creationId xmlns:a16="http://schemas.microsoft.com/office/drawing/2014/main" id="{79C742E4-BA43-D808-0E8E-859C4A6A2940}"/>
               </a:ext>
             </a:extLst>
           </p:cNvPr>
@@ -1396,7 +1396,7 @@
           <a:bodyPr/>
           <a:lstStyle/>
           <a:p>
-            <a:fld id="{AB7F6FF5-4E6D-4A5B-B490-3A5EA41F22F6}" type="datetimeFigureOut">
+            <a:fld id="{A7E190A8-7A3C-4071-997B-ED7A559CB443}" type="datetimeFigureOut">
               <a:rPr lang="zh-CN" altLang="en-US" smtClean="0"/>
               <a:t>2024/3/10</a:t>
             </a:fld>
@@ -1409,7 +1409,7 @@
           <p:cNvPr id="6" name="页脚占位符 5">
             <a:extLst>
               <a:ext uri="{FF2B5EF4-FFF2-40B4-BE49-F238E27FC236}">
-                <a16:creationId xmlns:a16="http://schemas.microsoft.com/office/drawing/2014/main" id="{C05C7664-FC05-96F1-B7AB-E4D99B3D3394}"/>
+                <a16:creationId xmlns:a16="http://schemas.microsoft.com/office/drawing/2014/main" id="{002C78CD-8DA9-274E-A50B-F1E30DDBA9F2}"/>
               </a:ext>
             </a:extLst>
           </p:cNvPr>
@@ -1434,7 +1434,7 @@
           <p:cNvPr id="7" name="灯片编号占位符 6">
             <a:extLst>
               <a:ext uri="{FF2B5EF4-FFF2-40B4-BE49-F238E27FC236}">
-                <a16:creationId xmlns:a16="http://schemas.microsoft.com/office/drawing/2014/main" id="{AE2DEED3-039D-27EE-2857-BC1601BBC51E}"/>
+                <a16:creationId xmlns:a16="http://schemas.microsoft.com/office/drawing/2014/main" id="{A596C105-30D0-655E-5F4D-EE33A4B4236E}"/>
               </a:ext>
             </a:extLst>
           </p:cNvPr>
@@ -1450,7 +1450,7 @@
           <a:bodyPr/>
           <a:lstStyle/>
           <a:p>
-            <a:fld id="{D7912DAB-D457-4DEA-9D62-791F562C9E89}" type="slidenum">
+            <a:fld id="{EF96BF46-2E2F-45EA-B12D-5D35BDFCF8EB}" type="slidenum">
               <a:rPr lang="zh-CN" altLang="en-US" smtClean="0"/>
               <a:t>‹#›</a:t>
             </a:fld>
@@ -1461,7 +1461,7 @@
     </p:spTree>
     <p:extLst>
       <p:ext uri="{BB962C8B-B14F-4D97-AF65-F5344CB8AC3E}">
-        <p14:creationId xmlns:p14="http://schemas.microsoft.com/office/powerpoint/2010/main" val="1944203567"/>
+        <p14:creationId xmlns:p14="http://schemas.microsoft.com/office/powerpoint/2010/main" val="3350176553"/>
       </p:ext>
     </p:extLst>
   </p:cSld>
@@ -1493,7 +1493,7 @@
           <p:cNvPr id="2" name="标题 1">
             <a:extLst>
               <a:ext uri="{FF2B5EF4-FFF2-40B4-BE49-F238E27FC236}">
-                <a16:creationId xmlns:a16="http://schemas.microsoft.com/office/drawing/2014/main" id="{676F38F1-789E-4AB1-C13F-F89C8AB6CA78}"/>
+                <a16:creationId xmlns:a16="http://schemas.microsoft.com/office/drawing/2014/main" id="{D20B7B8F-A7C5-A165-F9FF-32AC1B7C3D25}"/>
               </a:ext>
             </a:extLst>
           </p:cNvPr>
@@ -1526,7 +1526,7 @@
           <p:cNvPr id="3" name="文本占位符 2">
             <a:extLst>
               <a:ext uri="{FF2B5EF4-FFF2-40B4-BE49-F238E27FC236}">
-                <a16:creationId xmlns:a16="http://schemas.microsoft.com/office/drawing/2014/main" id="{208EC38F-1DC7-96A8-8D04-60D681CC0E57}"/>
+                <a16:creationId xmlns:a16="http://schemas.microsoft.com/office/drawing/2014/main" id="{C07E461D-FE82-E5BC-FFC3-B8F4089F5703}"/>
               </a:ext>
             </a:extLst>
           </p:cNvPr>
@@ -1597,7 +1597,7 @@
           <p:cNvPr id="4" name="内容占位符 3">
             <a:extLst>
               <a:ext uri="{FF2B5EF4-FFF2-40B4-BE49-F238E27FC236}">
-                <a16:creationId xmlns:a16="http://schemas.microsoft.com/office/drawing/2014/main" id="{9B0C2C36-1172-C9E9-28A5-58FE510C3209}"/>
+                <a16:creationId xmlns:a16="http://schemas.microsoft.com/office/drawing/2014/main" id="{C78C19E4-37A1-8EEE-E818-3265DF9BA0FE}"/>
               </a:ext>
             </a:extLst>
           </p:cNvPr>
@@ -1659,7 +1659,7 @@
           <p:cNvPr id="5" name="文本占位符 4">
             <a:extLst>
               <a:ext uri="{FF2B5EF4-FFF2-40B4-BE49-F238E27FC236}">
-                <a16:creationId xmlns:a16="http://schemas.microsoft.com/office/drawing/2014/main" id="{A7498749-07A2-C18A-D467-3B65CF08D274}"/>
+                <a16:creationId xmlns:a16="http://schemas.microsoft.com/office/drawing/2014/main" id="{262B88B7-2EAD-810A-CCA1-BC74CD863408}"/>
               </a:ext>
             </a:extLst>
           </p:cNvPr>
@@ -1730,7 +1730,7 @@
           <p:cNvPr id="6" name="内容占位符 5">
             <a:extLst>
               <a:ext uri="{FF2B5EF4-FFF2-40B4-BE49-F238E27FC236}">
-                <a16:creationId xmlns:a16="http://schemas.microsoft.com/office/drawing/2014/main" id="{6908328A-D5D2-4B97-4A7C-D15BD59415D4}"/>
+                <a16:creationId xmlns:a16="http://schemas.microsoft.com/office/drawing/2014/main" id="{1D48D2CA-F61D-0D1C-3771-9E1446DB61C2}"/>
               </a:ext>
             </a:extLst>
           </p:cNvPr>
@@ -1792,7 +1792,7 @@
           <p:cNvPr id="7" name="日期占位符 6">
             <a:extLst>
               <a:ext uri="{FF2B5EF4-FFF2-40B4-BE49-F238E27FC236}">
-                <a16:creationId xmlns:a16="http://schemas.microsoft.com/office/drawing/2014/main" id="{3F157D4F-B399-8356-490A-DC72A9AFD4C4}"/>
+                <a16:creationId xmlns:a16="http://schemas.microsoft.com/office/drawing/2014/main" id="{A7E14D67-00DA-A640-A043-8D8031BC140E}"/>
               </a:ext>
             </a:extLst>
           </p:cNvPr>
@@ -1808,7 +1808,7 @@
           <a:bodyPr/>
           <a:lstStyle/>
           <a:p>
-            <a:fld id="{AB7F6FF5-4E6D-4A5B-B490-3A5EA41F22F6}" type="datetimeFigureOut">
+            <a:fld id="{A7E190A8-7A3C-4071-997B-ED7A559CB443}" type="datetimeFigureOut">
               <a:rPr lang="zh-CN" altLang="en-US" smtClean="0"/>
               <a:t>2024/3/10</a:t>
             </a:fld>
@@ -1821,7 +1821,7 @@
           <p:cNvPr id="8" name="页脚占位符 7">
             <a:extLst>
               <a:ext uri="{FF2B5EF4-FFF2-40B4-BE49-F238E27FC236}">
-                <a16:creationId xmlns:a16="http://schemas.microsoft.com/office/drawing/2014/main" id="{F7108BF4-4A9E-70A0-FD12-2DDF2B80FB3C}"/>
+                <a16:creationId xmlns:a16="http://schemas.microsoft.com/office/drawing/2014/main" id="{9D225630-31E8-8942-7D45-5F9D0F3A6C84}"/>
               </a:ext>
             </a:extLst>
           </p:cNvPr>
@@ -1846,7 +1846,7 @@
           <p:cNvPr id="9" name="灯片编号占位符 8">
             <a:extLst>
               <a:ext uri="{FF2B5EF4-FFF2-40B4-BE49-F238E27FC236}">
-                <a16:creationId xmlns:a16="http://schemas.microsoft.com/office/drawing/2014/main" id="{69A51081-FFD2-FF80-74B8-B766D8A6DF5C}"/>
+                <a16:creationId xmlns:a16="http://schemas.microsoft.com/office/drawing/2014/main" id="{DDB74F0B-2146-5900-D52D-63DA0DB388E3}"/>
               </a:ext>
             </a:extLst>
           </p:cNvPr>
@@ -1862,7 +1862,7 @@
           <a:bodyPr/>
           <a:lstStyle/>
           <a:p>
-            <a:fld id="{D7912DAB-D457-4DEA-9D62-791F562C9E89}" type="slidenum">
+            <a:fld id="{EF96BF46-2E2F-45EA-B12D-5D35BDFCF8EB}" type="slidenum">
               <a:rPr lang="zh-CN" altLang="en-US" smtClean="0"/>
               <a:t>‹#›</a:t>
             </a:fld>
@@ -1873,7 +1873,7 @@
     </p:spTree>
     <p:extLst>
       <p:ext uri="{BB962C8B-B14F-4D97-AF65-F5344CB8AC3E}">
-        <p14:creationId xmlns:p14="http://schemas.microsoft.com/office/powerpoint/2010/main" val="2647299610"/>
+        <p14:creationId xmlns:p14="http://schemas.microsoft.com/office/powerpoint/2010/main" val="2115762395"/>
       </p:ext>
     </p:extLst>
   </p:cSld>
@@ -1905,7 +1905,7 @@
           <p:cNvPr id="2" name="标题 1">
             <a:extLst>
               <a:ext uri="{FF2B5EF4-FFF2-40B4-BE49-F238E27FC236}">
-                <a16:creationId xmlns:a16="http://schemas.microsoft.com/office/drawing/2014/main" id="{120F3D1A-4E56-BA7D-E477-46221407D8E3}"/>
+                <a16:creationId xmlns:a16="http://schemas.microsoft.com/office/drawing/2014/main" id="{0DC735F4-2CB0-2048-0931-B8238EBAFD48}"/>
               </a:ext>
             </a:extLst>
           </p:cNvPr>
@@ -1933,7 +1933,7 @@
           <p:cNvPr id="3" name="日期占位符 2">
             <a:extLst>
               <a:ext uri="{FF2B5EF4-FFF2-40B4-BE49-F238E27FC236}">
-                <a16:creationId xmlns:a16="http://schemas.microsoft.com/office/drawing/2014/main" id="{EF5B49A6-A719-B6DF-4D45-45810CC2CEFF}"/>
+                <a16:creationId xmlns:a16="http://schemas.microsoft.com/office/drawing/2014/main" id="{BD46C5EE-50AE-B218-2AD0-B446790BC20B}"/>
               </a:ext>
             </a:extLst>
           </p:cNvPr>
@@ -1949,7 +1949,7 @@
           <a:bodyPr/>
           <a:lstStyle/>
           <a:p>
-            <a:fld id="{AB7F6FF5-4E6D-4A5B-B490-3A5EA41F22F6}" type="datetimeFigureOut">
+            <a:fld id="{A7E190A8-7A3C-4071-997B-ED7A559CB443}" type="datetimeFigureOut">
               <a:rPr lang="zh-CN" altLang="en-US" smtClean="0"/>
               <a:t>2024/3/10</a:t>
             </a:fld>
@@ -1962,7 +1962,7 @@
           <p:cNvPr id="4" name="页脚占位符 3">
             <a:extLst>
               <a:ext uri="{FF2B5EF4-FFF2-40B4-BE49-F238E27FC236}">
-                <a16:creationId xmlns:a16="http://schemas.microsoft.com/office/drawing/2014/main" id="{98753B5C-1F75-D073-E078-F29E4D4890A8}"/>
+                <a16:creationId xmlns:a16="http://schemas.microsoft.com/office/drawing/2014/main" id="{C89CE5A4-3B43-83E1-32BD-62434E5448FD}"/>
               </a:ext>
             </a:extLst>
           </p:cNvPr>
@@ -1987,7 +1987,7 @@
           <p:cNvPr id="5" name="灯片编号占位符 4">
             <a:extLst>
               <a:ext uri="{FF2B5EF4-FFF2-40B4-BE49-F238E27FC236}">
-                <a16:creationId xmlns:a16="http://schemas.microsoft.com/office/drawing/2014/main" id="{EDF9045E-9F1E-E7E0-36C0-D0F888D06FA1}"/>
+                <a16:creationId xmlns:a16="http://schemas.microsoft.com/office/drawing/2014/main" id="{DC946C46-505F-1142-89FC-E863477347FD}"/>
               </a:ext>
             </a:extLst>
           </p:cNvPr>
@@ -2003,7 +2003,7 @@
           <a:bodyPr/>
           <a:lstStyle/>
           <a:p>
-            <a:fld id="{D7912DAB-D457-4DEA-9D62-791F562C9E89}" type="slidenum">
+            <a:fld id="{EF96BF46-2E2F-45EA-B12D-5D35BDFCF8EB}" type="slidenum">
               <a:rPr lang="zh-CN" altLang="en-US" smtClean="0"/>
               <a:t>‹#›</a:t>
             </a:fld>
@@ -2014,7 +2014,7 @@
     </p:spTree>
     <p:extLst>
       <p:ext uri="{BB962C8B-B14F-4D97-AF65-F5344CB8AC3E}">
-        <p14:creationId xmlns:p14="http://schemas.microsoft.com/office/powerpoint/2010/main" val="933001930"/>
+        <p14:creationId xmlns:p14="http://schemas.microsoft.com/office/powerpoint/2010/main" val="3521819126"/>
       </p:ext>
     </p:extLst>
   </p:cSld>
@@ -2046,7 +2046,7 @@
           <p:cNvPr id="2" name="日期占位符 1">
             <a:extLst>
               <a:ext uri="{FF2B5EF4-FFF2-40B4-BE49-F238E27FC236}">
-                <a16:creationId xmlns:a16="http://schemas.microsoft.com/office/drawing/2014/main" id="{3CBCD215-E8E3-08AC-A79D-06A1A04D7AF9}"/>
+                <a16:creationId xmlns:a16="http://schemas.microsoft.com/office/drawing/2014/main" id="{BFFBD741-AEBB-FB07-8B09-0EB5F278D822}"/>
               </a:ext>
             </a:extLst>
           </p:cNvPr>
@@ -2062,7 +2062,7 @@
           <a:bodyPr/>
           <a:lstStyle/>
           <a:p>
-            <a:fld id="{AB7F6FF5-4E6D-4A5B-B490-3A5EA41F22F6}" type="datetimeFigureOut">
+            <a:fld id="{A7E190A8-7A3C-4071-997B-ED7A559CB443}" type="datetimeFigureOut">
               <a:rPr lang="zh-CN" altLang="en-US" smtClean="0"/>
               <a:t>2024/3/10</a:t>
             </a:fld>
@@ -2075,7 +2075,7 @@
           <p:cNvPr id="3" name="页脚占位符 2">
             <a:extLst>
               <a:ext uri="{FF2B5EF4-FFF2-40B4-BE49-F238E27FC236}">
-                <a16:creationId xmlns:a16="http://schemas.microsoft.com/office/drawing/2014/main" id="{B3F9487E-1D64-E8F8-082B-848288E8386E}"/>
+                <a16:creationId xmlns:a16="http://schemas.microsoft.com/office/drawing/2014/main" id="{78DF0EFD-BC51-1961-1565-2CF24145B6F0}"/>
               </a:ext>
             </a:extLst>
           </p:cNvPr>
@@ -2100,7 +2100,7 @@
           <p:cNvPr id="4" name="灯片编号占位符 3">
             <a:extLst>
               <a:ext uri="{FF2B5EF4-FFF2-40B4-BE49-F238E27FC236}">
-                <a16:creationId xmlns:a16="http://schemas.microsoft.com/office/drawing/2014/main" id="{DBB83150-163E-42B0-4489-BBEA271543A5}"/>
+                <a16:creationId xmlns:a16="http://schemas.microsoft.com/office/drawing/2014/main" id="{8FAB42C1-14B7-AF62-FF97-CA003228199C}"/>
               </a:ext>
             </a:extLst>
           </p:cNvPr>
@@ -2116,7 +2116,7 @@
           <a:bodyPr/>
           <a:lstStyle/>
           <a:p>
-            <a:fld id="{D7912DAB-D457-4DEA-9D62-791F562C9E89}" type="slidenum">
+            <a:fld id="{EF96BF46-2E2F-45EA-B12D-5D35BDFCF8EB}" type="slidenum">
               <a:rPr lang="zh-CN" altLang="en-US" smtClean="0"/>
               <a:t>‹#›</a:t>
             </a:fld>
@@ -2127,7 +2127,7 @@
     </p:spTree>
     <p:extLst>
       <p:ext uri="{BB962C8B-B14F-4D97-AF65-F5344CB8AC3E}">
-        <p14:creationId xmlns:p14="http://schemas.microsoft.com/office/powerpoint/2010/main" val="3748589726"/>
+        <p14:creationId xmlns:p14="http://schemas.microsoft.com/office/powerpoint/2010/main" val="2404327573"/>
       </p:ext>
     </p:extLst>
   </p:cSld>
@@ -2159,7 +2159,7 @@
           <p:cNvPr id="2" name="标题 1">
             <a:extLst>
               <a:ext uri="{FF2B5EF4-FFF2-40B4-BE49-F238E27FC236}">
-                <a16:creationId xmlns:a16="http://schemas.microsoft.com/office/drawing/2014/main" id="{2B9A6DE0-494D-4C75-2108-A7EEB65F14F7}"/>
+                <a16:creationId xmlns:a16="http://schemas.microsoft.com/office/drawing/2014/main" id="{B788DC70-1C4F-3A3E-A1C6-FC4CA318D811}"/>
               </a:ext>
             </a:extLst>
           </p:cNvPr>
@@ -2196,7 +2196,7 @@
           <p:cNvPr id="3" name="内容占位符 2">
             <a:extLst>
               <a:ext uri="{FF2B5EF4-FFF2-40B4-BE49-F238E27FC236}">
-                <a16:creationId xmlns:a16="http://schemas.microsoft.com/office/drawing/2014/main" id="{9827A2BA-794A-4D84-0A31-C73930B32A28}"/>
+                <a16:creationId xmlns:a16="http://schemas.microsoft.com/office/drawing/2014/main" id="{6BCD6B2A-0EAF-2DA3-ADC7-1F5996BAB540}"/>
               </a:ext>
             </a:extLst>
           </p:cNvPr>
@@ -2286,7 +2286,7 @@
           <p:cNvPr id="4" name="文本占位符 3">
             <a:extLst>
               <a:ext uri="{FF2B5EF4-FFF2-40B4-BE49-F238E27FC236}">
-                <a16:creationId xmlns:a16="http://schemas.microsoft.com/office/drawing/2014/main" id="{F07A50AC-D6E1-C740-7CB0-6036837CE716}"/>
+                <a16:creationId xmlns:a16="http://schemas.microsoft.com/office/drawing/2014/main" id="{231EA2EF-4471-1CCF-0C14-48220CDFA14B}"/>
               </a:ext>
             </a:extLst>
           </p:cNvPr>
@@ -2357,7 +2357,7 @@
           <p:cNvPr id="5" name="日期占位符 4">
             <a:extLst>
               <a:ext uri="{FF2B5EF4-FFF2-40B4-BE49-F238E27FC236}">
-                <a16:creationId xmlns:a16="http://schemas.microsoft.com/office/drawing/2014/main" id="{46C52EE0-255F-5053-0F89-DE4ADEF7C5FD}"/>
+                <a16:creationId xmlns:a16="http://schemas.microsoft.com/office/drawing/2014/main" id="{B9FEA1AD-36FA-5DA5-F41D-8833AC7E94BE}"/>
               </a:ext>
             </a:extLst>
           </p:cNvPr>
@@ -2373,7 +2373,7 @@
           <a:bodyPr/>
           <a:lstStyle/>
           <a:p>
-            <a:fld id="{AB7F6FF5-4E6D-4A5B-B490-3A5EA41F22F6}" type="datetimeFigureOut">
+            <a:fld id="{A7E190A8-7A3C-4071-997B-ED7A559CB443}" type="datetimeFigureOut">
               <a:rPr lang="zh-CN" altLang="en-US" smtClean="0"/>
               <a:t>2024/3/10</a:t>
             </a:fld>
@@ -2386,7 +2386,7 @@
           <p:cNvPr id="6" name="页脚占位符 5">
             <a:extLst>
               <a:ext uri="{FF2B5EF4-FFF2-40B4-BE49-F238E27FC236}">
-                <a16:creationId xmlns:a16="http://schemas.microsoft.com/office/drawing/2014/main" id="{EA1C6DA2-3B64-7F16-7995-A871FA38E13C}"/>
+                <a16:creationId xmlns:a16="http://schemas.microsoft.com/office/drawing/2014/main" id="{D9107601-09EC-C49C-6DDD-331B8A089BF0}"/>
               </a:ext>
             </a:extLst>
           </p:cNvPr>
@@ -2411,7 +2411,7 @@
           <p:cNvPr id="7" name="灯片编号占位符 6">
             <a:extLst>
               <a:ext uri="{FF2B5EF4-FFF2-40B4-BE49-F238E27FC236}">
-                <a16:creationId xmlns:a16="http://schemas.microsoft.com/office/drawing/2014/main" id="{C94305BC-4451-3BC0-2F0D-B40B00002CA7}"/>
+                <a16:creationId xmlns:a16="http://schemas.microsoft.com/office/drawing/2014/main" id="{38C174F9-F670-7C1E-7530-82EBD507385F}"/>
               </a:ext>
             </a:extLst>
           </p:cNvPr>
@@ -2427,7 +2427,7 @@
           <a:bodyPr/>
           <a:lstStyle/>
           <a:p>
-            <a:fld id="{D7912DAB-D457-4DEA-9D62-791F562C9E89}" type="slidenum">
+            <a:fld id="{EF96BF46-2E2F-45EA-B12D-5D35BDFCF8EB}" type="slidenum">
               <a:rPr lang="zh-CN" altLang="en-US" smtClean="0"/>
               <a:t>‹#›</a:t>
             </a:fld>
@@ -2438,7 +2438,7 @@
     </p:spTree>
     <p:extLst>
       <p:ext uri="{BB962C8B-B14F-4D97-AF65-F5344CB8AC3E}">
-        <p14:creationId xmlns:p14="http://schemas.microsoft.com/office/powerpoint/2010/main" val="3111600516"/>
+        <p14:creationId xmlns:p14="http://schemas.microsoft.com/office/powerpoint/2010/main" val="985117607"/>
       </p:ext>
     </p:extLst>
   </p:cSld>
@@ -2470,7 +2470,7 @@
           <p:cNvPr id="2" name="标题 1">
             <a:extLst>
               <a:ext uri="{FF2B5EF4-FFF2-40B4-BE49-F238E27FC236}">
-                <a16:creationId xmlns:a16="http://schemas.microsoft.com/office/drawing/2014/main" id="{52ECC074-C14D-D882-DE43-F0F9AAA8298F}"/>
+                <a16:creationId xmlns:a16="http://schemas.microsoft.com/office/drawing/2014/main" id="{39B39199-6C97-AC60-9B35-A67F5F12DD17}"/>
               </a:ext>
             </a:extLst>
           </p:cNvPr>
@@ -2507,7 +2507,7 @@
           <p:cNvPr id="3" name="图片占位符 2">
             <a:extLst>
               <a:ext uri="{FF2B5EF4-FFF2-40B4-BE49-F238E27FC236}">
-                <a16:creationId xmlns:a16="http://schemas.microsoft.com/office/drawing/2014/main" id="{CCD98982-6B88-2ADD-E0EA-016465758C72}"/>
+                <a16:creationId xmlns:a16="http://schemas.microsoft.com/office/drawing/2014/main" id="{AF9A753C-62B4-7786-69C2-122A9F2DF73F}"/>
               </a:ext>
             </a:extLst>
           </p:cNvPr>
@@ -2574,7 +2574,7 @@
           <p:cNvPr id="4" name="文本占位符 3">
             <a:extLst>
               <a:ext uri="{FF2B5EF4-FFF2-40B4-BE49-F238E27FC236}">
-                <a16:creationId xmlns:a16="http://schemas.microsoft.com/office/drawing/2014/main" id="{64272445-A891-5AFE-DDFB-C4ED75803DC1}"/>
+                <a16:creationId xmlns:a16="http://schemas.microsoft.com/office/drawing/2014/main" id="{6E034A2D-9C52-847A-9E24-4710CEC08387}"/>
               </a:ext>
             </a:extLst>
           </p:cNvPr>
@@ -2645,7 +2645,7 @@
           <p:cNvPr id="5" name="日期占位符 4">
             <a:extLst>
               <a:ext uri="{FF2B5EF4-FFF2-40B4-BE49-F238E27FC236}">
-                <a16:creationId xmlns:a16="http://schemas.microsoft.com/office/drawing/2014/main" id="{34DF21F5-DBF1-D378-FC16-8CCB242C06F8}"/>
+                <a16:creationId xmlns:a16="http://schemas.microsoft.com/office/drawing/2014/main" id="{D2A9947F-12CB-FB7F-3A4F-6CD4917AC2F6}"/>
               </a:ext>
             </a:extLst>
           </p:cNvPr>
@@ -2661,7 +2661,7 @@
           <a:bodyPr/>
           <a:lstStyle/>
           <a:p>
-            <a:fld id="{AB7F6FF5-4E6D-4A5B-B490-3A5EA41F22F6}" type="datetimeFigureOut">
+            <a:fld id="{A7E190A8-7A3C-4071-997B-ED7A559CB443}" type="datetimeFigureOut">
               <a:rPr lang="zh-CN" altLang="en-US" smtClean="0"/>
               <a:t>2024/3/10</a:t>
             </a:fld>
@@ -2674,7 +2674,7 @@
           <p:cNvPr id="6" name="页脚占位符 5">
             <a:extLst>
               <a:ext uri="{FF2B5EF4-FFF2-40B4-BE49-F238E27FC236}">
-                <a16:creationId xmlns:a16="http://schemas.microsoft.com/office/drawing/2014/main" id="{74083C14-3EC7-AC0F-5529-B141CF2EF76B}"/>
+                <a16:creationId xmlns:a16="http://schemas.microsoft.com/office/drawing/2014/main" id="{E93ADF93-5857-62C3-3A96-3B776F2D8986}"/>
               </a:ext>
             </a:extLst>
           </p:cNvPr>
@@ -2699,7 +2699,7 @@
           <p:cNvPr id="7" name="灯片编号占位符 6">
             <a:extLst>
               <a:ext uri="{FF2B5EF4-FFF2-40B4-BE49-F238E27FC236}">
-                <a16:creationId xmlns:a16="http://schemas.microsoft.com/office/drawing/2014/main" id="{016493F5-3E49-4272-BC79-E223C4366ACA}"/>
+                <a16:creationId xmlns:a16="http://schemas.microsoft.com/office/drawing/2014/main" id="{5E14FC1B-5D17-9855-7726-6663DC7F87C6}"/>
               </a:ext>
             </a:extLst>
           </p:cNvPr>
@@ -2715,7 +2715,7 @@
           <a:bodyPr/>
           <a:lstStyle/>
           <a:p>
-            <a:fld id="{D7912DAB-D457-4DEA-9D62-791F562C9E89}" type="slidenum">
+            <a:fld id="{EF96BF46-2E2F-45EA-B12D-5D35BDFCF8EB}" type="slidenum">
               <a:rPr lang="zh-CN" altLang="en-US" smtClean="0"/>
               <a:t>‹#›</a:t>
             </a:fld>
@@ -2726,7 +2726,7 @@
     </p:spTree>
     <p:extLst>
       <p:ext uri="{BB962C8B-B14F-4D97-AF65-F5344CB8AC3E}">
-        <p14:creationId xmlns:p14="http://schemas.microsoft.com/office/powerpoint/2010/main" val="3754982194"/>
+        <p14:creationId xmlns:p14="http://schemas.microsoft.com/office/powerpoint/2010/main" val="2491077842"/>
       </p:ext>
     </p:extLst>
   </p:cSld>
@@ -2763,7 +2763,7 @@
           <p:cNvPr id="2" name="标题占位符 1">
             <a:extLst>
               <a:ext uri="{FF2B5EF4-FFF2-40B4-BE49-F238E27FC236}">
-                <a16:creationId xmlns:a16="http://schemas.microsoft.com/office/drawing/2014/main" id="{8A5ED739-6B9C-07E4-B97A-B29053D76B12}"/>
+                <a16:creationId xmlns:a16="http://schemas.microsoft.com/office/drawing/2014/main" id="{D6DC92C5-163D-D004-021A-28BEC9D1CC7A}"/>
               </a:ext>
             </a:extLst>
           </p:cNvPr>
@@ -2801,7 +2801,7 @@
           <p:cNvPr id="3" name="文本占位符 2">
             <a:extLst>
               <a:ext uri="{FF2B5EF4-FFF2-40B4-BE49-F238E27FC236}">
-                <a16:creationId xmlns:a16="http://schemas.microsoft.com/office/drawing/2014/main" id="{E910BB86-13EF-45BD-6637-1EA0C3778068}"/>
+                <a16:creationId xmlns:a16="http://schemas.microsoft.com/office/drawing/2014/main" id="{06309134-9F27-18FF-2033-AF319761F347}"/>
               </a:ext>
             </a:extLst>
           </p:cNvPr>
@@ -2868,7 +2868,7 @@
           <p:cNvPr id="4" name="日期占位符 3">
             <a:extLst>
               <a:ext uri="{FF2B5EF4-FFF2-40B4-BE49-F238E27FC236}">
-                <a16:creationId xmlns:a16="http://schemas.microsoft.com/office/drawing/2014/main" id="{4CF9821D-DFA2-3AE6-5B62-7B4A397293DF}"/>
+                <a16:creationId xmlns:a16="http://schemas.microsoft.com/office/drawing/2014/main" id="{F79A055C-5ED0-B08D-0CD3-1D8E1BB1EEAB}"/>
               </a:ext>
             </a:extLst>
           </p:cNvPr>
@@ -2902,7 +2902,7 @@
             </a:lvl1pPr>
           </a:lstStyle>
           <a:p>
-            <a:fld id="{AB7F6FF5-4E6D-4A5B-B490-3A5EA41F22F6}" type="datetimeFigureOut">
+            <a:fld id="{A7E190A8-7A3C-4071-997B-ED7A559CB443}" type="datetimeFigureOut">
               <a:rPr lang="zh-CN" altLang="en-US" smtClean="0"/>
               <a:t>2024/3/10</a:t>
             </a:fld>
@@ -2915,7 +2915,7 @@
           <p:cNvPr id="5" name="页脚占位符 4">
             <a:extLst>
               <a:ext uri="{FF2B5EF4-FFF2-40B4-BE49-F238E27FC236}">
-                <a16:creationId xmlns:a16="http://schemas.microsoft.com/office/drawing/2014/main" id="{8952F30F-F886-D9F6-CEF3-7898BE37BD85}"/>
+                <a16:creationId xmlns:a16="http://schemas.microsoft.com/office/drawing/2014/main" id="{0515B3C3-2B93-F3E6-1B30-C3936B879197}"/>
               </a:ext>
             </a:extLst>
           </p:cNvPr>
@@ -2958,7 +2958,7 @@
           <p:cNvPr id="6" name="灯片编号占位符 5">
             <a:extLst>
               <a:ext uri="{FF2B5EF4-FFF2-40B4-BE49-F238E27FC236}">
-                <a16:creationId xmlns:a16="http://schemas.microsoft.com/office/drawing/2014/main" id="{6C30B606-5134-C7B5-0658-9C04BBFC6E97}"/>
+                <a16:creationId xmlns:a16="http://schemas.microsoft.com/office/drawing/2014/main" id="{9CEC91FF-EEC9-714D-4AEA-43131A5046AF}"/>
               </a:ext>
             </a:extLst>
           </p:cNvPr>
@@ -2992,7 +2992,7 @@
             </a:lvl1pPr>
           </a:lstStyle>
           <a:p>
-            <a:fld id="{D7912DAB-D457-4DEA-9D62-791F562C9E89}" type="slidenum">
+            <a:fld id="{EF96BF46-2E2F-45EA-B12D-5D35BDFCF8EB}" type="slidenum">
               <a:rPr lang="zh-CN" altLang="en-US" smtClean="0"/>
               <a:t>‹#›</a:t>
             </a:fld>
@@ -3003,7 +3003,7 @@
     </p:spTree>
     <p:extLst>
       <p:ext uri="{BB962C8B-B14F-4D97-AF65-F5344CB8AC3E}">
-        <p14:creationId xmlns:p14="http://schemas.microsoft.com/office/powerpoint/2010/main" val="1889816201"/>
+        <p14:creationId xmlns:p14="http://schemas.microsoft.com/office/powerpoint/2010/main" val="313931433"/>
       </p:ext>
     </p:extLst>
   </p:cSld>
@@ -3323,7 +3323,7 @@
       </p:grpSpPr>
       <p:pic>
         <p:nvPicPr>
-          <p:cNvPr id="1031170" name="Picture 2" descr="1006"/>
+          <p:cNvPr id="1032194" name="Picture 2" descr="1007"/>
           <p:cNvPicPr>
             <a:picLocks noChangeAspect="1" noChangeArrowheads="1"/>
           </p:cNvPicPr>
@@ -3375,11 +3375,158 @@
           </a:extLst>
         </p:spPr>
       </p:pic>
+      <p:pic>
+        <p:nvPicPr>
+          <p:cNvPr id="1033219" name="Picture 3" descr="1007-2"/>
+          <p:cNvPicPr>
+            <a:picLocks noChangeAspect="1" noChangeArrowheads="1"/>
+          </p:cNvPicPr>
+          <p:nvPr/>
+        </p:nvPicPr>
+        <p:blipFill>
+          <a:blip r:embed="rId3">
+            <a:extLst>
+              <a:ext uri="{28A0092B-C50C-407E-A947-70E740481C1C}">
+                <a14:useLocalDpi xmlns:a14="http://schemas.microsoft.com/office/drawing/2010/main" val="0"/>
+              </a:ext>
+            </a:extLst>
+          </a:blip>
+          <a:srcRect/>
+          <a:stretch>
+            <a:fillRect/>
+          </a:stretch>
+        </p:blipFill>
+        <p:spPr bwMode="auto">
+          <a:xfrm>
+            <a:off x="1500188" y="0"/>
+            <a:ext cx="9112251" cy="6845300"/>
+          </a:xfrm>
+          <a:prstGeom prst="rect">
+            <a:avLst/>
+          </a:prstGeom>
+          <a:noFill/>
+          <a:ln>
+            <a:noFill/>
+          </a:ln>
+          <a:effectLst/>
+          <a:extLst>
+            <a:ext uri="{909E8E84-426E-40DD-AFC4-6F175D3DCCD1}">
+              <a14:hiddenFill xmlns:a14="http://schemas.microsoft.com/office/drawing/2010/main">
+                <a:solidFill>
+                  <a:srgbClr val="FFFFFF"/>
+                </a:solidFill>
+              </a14:hiddenFill>
+            </a:ext>
+            <a:ext uri="{91240B29-F687-4F45-9708-019B960494DF}">
+              <a14:hiddenLine xmlns:a14="http://schemas.microsoft.com/office/drawing/2010/main" w="9525">
+                <a:solidFill>
+                  <a:srgbClr val="000000"/>
+                </a:solidFill>
+                <a:miter lim="800000"/>
+                <a:headEnd/>
+                <a:tailEnd/>
+              </a14:hiddenLine>
+            </a:ext>
+            <a:ext uri="{AF507438-7753-43E0-B8FC-AC1667EBCBE1}">
+              <a14:hiddenEffects xmlns:a14="http://schemas.microsoft.com/office/drawing/2010/main">
+                <a:effectLst>
+                  <a:outerShdw dist="35921" dir="2700000" algn="ctr" rotWithShape="0">
+                    <a:srgbClr val="808080"/>
+                  </a:outerShdw>
+                </a:effectLst>
+              </a14:hiddenEffects>
+            </a:ext>
+          </a:extLst>
+        </p:spPr>
+      </p:pic>
     </p:spTree>
   </p:cSld>
   <p:clrMapOvr>
     <a:masterClrMapping/>
   </p:clrMapOvr>
+  <p:timing>
+    <p:tnLst>
+      <p:par>
+        <p:cTn id="1" dur="indefinite" restart="never" nodeType="tmRoot">
+          <p:childTnLst>
+            <p:seq concurrent="1" nextAc="seek">
+              <p:cTn id="2" dur="indefinite" nodeType="mainSeq">
+                <p:childTnLst>
+                  <p:par>
+                    <p:cTn id="3" fill="hold" nodeType="clickPar">
+                      <p:stCondLst>
+                        <p:cond delay="indefinite"/>
+                      </p:stCondLst>
+                      <p:childTnLst>
+                        <p:par>
+                          <p:cTn id="4" fill="hold" nodeType="withGroup">
+                            <p:stCondLst>
+                              <p:cond delay="0"/>
+                            </p:stCondLst>
+                            <p:childTnLst>
+                              <p:par>
+                                <p:cTn id="5" presetID="10" presetClass="entr" presetSubtype="0" fill="hold" nodeType="clickEffect">
+                                  <p:stCondLst>
+                                    <p:cond delay="0"/>
+                                  </p:stCondLst>
+                                  <p:childTnLst>
+                                    <p:set>
+                                      <p:cBhvr>
+                                        <p:cTn id="6" dur="1" fill="hold">
+                                          <p:stCondLst>
+                                            <p:cond delay="0"/>
+                                          </p:stCondLst>
+                                        </p:cTn>
+                                        <p:tgtEl>
+                                          <p:spTgt spid="1033219"/>
+                                        </p:tgtEl>
+                                        <p:attrNameLst>
+                                          <p:attrName>style.visibility</p:attrName>
+                                        </p:attrNameLst>
+                                      </p:cBhvr>
+                                      <p:to>
+                                        <p:strVal val="visible"/>
+                                      </p:to>
+                                    </p:set>
+                                    <p:animEffect transition="in" filter="fade">
+                                      <p:cBhvr>
+                                        <p:cTn id="7" dur="500"/>
+                                        <p:tgtEl>
+                                          <p:spTgt spid="1033219"/>
+                                        </p:tgtEl>
+                                      </p:cBhvr>
+                                    </p:animEffect>
+                                  </p:childTnLst>
+                                </p:cTn>
+                              </p:par>
+                            </p:childTnLst>
+                          </p:cTn>
+                        </p:par>
+                      </p:childTnLst>
+                    </p:cTn>
+                  </p:par>
+                </p:childTnLst>
+              </p:cTn>
+              <p:prevCondLst>
+                <p:cond evt="onPrev" delay="0">
+                  <p:tgtEl>
+                    <p:sldTgt/>
+                  </p:tgtEl>
+                </p:cond>
+              </p:prevCondLst>
+              <p:nextCondLst>
+                <p:cond evt="onNext" delay="0">
+                  <p:tgtEl>
+                    <p:sldTgt/>
+                  </p:tgtEl>
+                </p:cond>
+              </p:nextCondLst>
+            </p:seq>
+          </p:childTnLst>
+        </p:cTn>
+      </p:par>
+    </p:tnLst>
+  </p:timing>
 </p:sld>
 </file>
 
